--- a/2016_2dgp_2011180052_#2.pptx
+++ b/2016_2dgp_2011180052_#2.pptx
@@ -294,7 +294,7 @@
           <a:p>
             <a:fld id="{BD66E675-336B-4B29-A044-2304EB47128A}" type="datetimeFigureOut">
               <a:rPr lang="ko-KR" altLang="en-US" smtClean="0"/>
-              <a:t>2016-10-17</a:t>
+              <a:t>2016-10-18</a:t>
             </a:fld>
             <a:endParaRPr lang="ko-KR" altLang="en-US"/>
           </a:p>
@@ -464,7 +464,7 @@
           <a:p>
             <a:fld id="{BD66E675-336B-4B29-A044-2304EB47128A}" type="datetimeFigureOut">
               <a:rPr lang="ko-KR" altLang="en-US" smtClean="0"/>
-              <a:t>2016-10-17</a:t>
+              <a:t>2016-10-18</a:t>
             </a:fld>
             <a:endParaRPr lang="ko-KR" altLang="en-US"/>
           </a:p>
@@ -644,7 +644,7 @@
           <a:p>
             <a:fld id="{BD66E675-336B-4B29-A044-2304EB47128A}" type="datetimeFigureOut">
               <a:rPr lang="ko-KR" altLang="en-US" smtClean="0"/>
-              <a:t>2016-10-17</a:t>
+              <a:t>2016-10-18</a:t>
             </a:fld>
             <a:endParaRPr lang="ko-KR" altLang="en-US"/>
           </a:p>
@@ -814,7 +814,7 @@
           <a:p>
             <a:fld id="{BD66E675-336B-4B29-A044-2304EB47128A}" type="datetimeFigureOut">
               <a:rPr lang="ko-KR" altLang="en-US" smtClean="0"/>
-              <a:t>2016-10-17</a:t>
+              <a:t>2016-10-18</a:t>
             </a:fld>
             <a:endParaRPr lang="ko-KR" altLang="en-US"/>
           </a:p>
@@ -1060,7 +1060,7 @@
           <a:p>
             <a:fld id="{BD66E675-336B-4B29-A044-2304EB47128A}" type="datetimeFigureOut">
               <a:rPr lang="ko-KR" altLang="en-US" smtClean="0"/>
-              <a:t>2016-10-17</a:t>
+              <a:t>2016-10-18</a:t>
             </a:fld>
             <a:endParaRPr lang="ko-KR" altLang="en-US"/>
           </a:p>
@@ -1348,7 +1348,7 @@
           <a:p>
             <a:fld id="{BD66E675-336B-4B29-A044-2304EB47128A}" type="datetimeFigureOut">
               <a:rPr lang="ko-KR" altLang="en-US" smtClean="0"/>
-              <a:t>2016-10-17</a:t>
+              <a:t>2016-10-18</a:t>
             </a:fld>
             <a:endParaRPr lang="ko-KR" altLang="en-US"/>
           </a:p>
@@ -1770,7 +1770,7 @@
           <a:p>
             <a:fld id="{BD66E675-336B-4B29-A044-2304EB47128A}" type="datetimeFigureOut">
               <a:rPr lang="ko-KR" altLang="en-US" smtClean="0"/>
-              <a:t>2016-10-17</a:t>
+              <a:t>2016-10-18</a:t>
             </a:fld>
             <a:endParaRPr lang="ko-KR" altLang="en-US"/>
           </a:p>
@@ -1888,7 +1888,7 @@
           <a:p>
             <a:fld id="{BD66E675-336B-4B29-A044-2304EB47128A}" type="datetimeFigureOut">
               <a:rPr lang="ko-KR" altLang="en-US" smtClean="0"/>
-              <a:t>2016-10-17</a:t>
+              <a:t>2016-10-18</a:t>
             </a:fld>
             <a:endParaRPr lang="ko-KR" altLang="en-US"/>
           </a:p>
@@ -1983,7 +1983,7 @@
           <a:p>
             <a:fld id="{BD66E675-336B-4B29-A044-2304EB47128A}" type="datetimeFigureOut">
               <a:rPr lang="ko-KR" altLang="en-US" smtClean="0"/>
-              <a:t>2016-10-17</a:t>
+              <a:t>2016-10-18</a:t>
             </a:fld>
             <a:endParaRPr lang="ko-KR" altLang="en-US"/>
           </a:p>
@@ -2260,7 +2260,7 @@
           <a:p>
             <a:fld id="{BD66E675-336B-4B29-A044-2304EB47128A}" type="datetimeFigureOut">
               <a:rPr lang="ko-KR" altLang="en-US" smtClean="0"/>
-              <a:t>2016-10-17</a:t>
+              <a:t>2016-10-18</a:t>
             </a:fld>
             <a:endParaRPr lang="ko-KR" altLang="en-US"/>
           </a:p>
@@ -2513,7 +2513,7 @@
           <a:p>
             <a:fld id="{BD66E675-336B-4B29-A044-2304EB47128A}" type="datetimeFigureOut">
               <a:rPr lang="ko-KR" altLang="en-US" smtClean="0"/>
-              <a:t>2016-10-17</a:t>
+              <a:t>2016-10-18</a:t>
             </a:fld>
             <a:endParaRPr lang="ko-KR" altLang="en-US"/>
           </a:p>
@@ -2726,7 +2726,7 @@
           <a:p>
             <a:fld id="{BD66E675-336B-4B29-A044-2304EB47128A}" type="datetimeFigureOut">
               <a:rPr lang="ko-KR" altLang="en-US" smtClean="0"/>
-              <a:t>2016-10-17</a:t>
+              <a:t>2016-10-18</a:t>
             </a:fld>
             <a:endParaRPr lang="ko-KR" altLang="en-US"/>
           </a:p>
@@ -5210,19 +5210,7 @@
                 <a:latin typeface="HY헤드라인M" pitchFamily="18" charset="-127"/>
                 <a:ea typeface="HY헤드라인M" pitchFamily="18" charset="-127"/>
               </a:rPr>
-              <a:t>차 </a:t>
-            </a:r>
-            <a:r>
-              <a:rPr lang="ko-KR" altLang="en-US" sz="4800" dirty="0" smtClean="0">
-                <a:solidFill>
-                  <a:schemeClr val="bg2">
-                    <a:lumMod val="50000"/>
-                  </a:schemeClr>
-                </a:solidFill>
-                <a:latin typeface="HY헤드라인M" pitchFamily="18" charset="-127"/>
-                <a:ea typeface="HY헤드라인M" pitchFamily="18" charset="-127"/>
-              </a:rPr>
-              <a:t>발표</a:t>
+              <a:t>차 발표</a:t>
             </a:r>
             <a:endParaRPr lang="ko-KR" altLang="en-US" sz="4800" dirty="0">
               <a:solidFill>
@@ -7360,19 +7348,8 @@
                 <a:latin typeface="HY헤드라인M" pitchFamily="18" charset="-127"/>
                 <a:ea typeface="HY헤드라인M" pitchFamily="18" charset="-127"/>
               </a:rPr>
-              <a:t>		</a:t>
+              <a:t>		4p</a:t>
             </a:r>
-            <a:r>
-              <a:rPr lang="en-US" altLang="ko-KR" dirty="0" smtClean="0">
-                <a:latin typeface="HY헤드라인M" pitchFamily="18" charset="-127"/>
-                <a:ea typeface="HY헤드라인M" pitchFamily="18" charset="-127"/>
-              </a:rPr>
-              <a:t>4p</a:t>
-            </a:r>
-            <a:endParaRPr lang="en-US" altLang="ko-KR" dirty="0" smtClean="0">
-              <a:latin typeface="HY헤드라인M" pitchFamily="18" charset="-127"/>
-              <a:ea typeface="HY헤드라인M" pitchFamily="18" charset="-127"/>
-            </a:endParaRPr>
           </a:p>
           <a:p>
             <a:endParaRPr lang="en-US" altLang="ko-KR" dirty="0">
@@ -7393,19 +7370,8 @@
                 <a:latin typeface="HY헤드라인M" pitchFamily="18" charset="-127"/>
                 <a:ea typeface="HY헤드라인M" pitchFamily="18" charset="-127"/>
               </a:rPr>
-              <a:t>		</a:t>
+              <a:t>		5p</a:t>
             </a:r>
-            <a:r>
-              <a:rPr lang="en-US" altLang="ko-KR" dirty="0" smtClean="0">
-                <a:latin typeface="HY헤드라인M" pitchFamily="18" charset="-127"/>
-                <a:ea typeface="HY헤드라인M" pitchFamily="18" charset="-127"/>
-              </a:rPr>
-              <a:t>5p</a:t>
-            </a:r>
-            <a:endParaRPr lang="en-US" altLang="ko-KR" dirty="0" smtClean="0">
-              <a:latin typeface="HY헤드라인M" pitchFamily="18" charset="-127"/>
-              <a:ea typeface="HY헤드라인M" pitchFamily="18" charset="-127"/>
-            </a:endParaRPr>
           </a:p>
           <a:p>
             <a:endParaRPr lang="en-US" altLang="ko-KR" dirty="0">
@@ -7433,14 +7399,7 @@
                 <a:latin typeface="HY헤드라인M" pitchFamily="18" charset="-127"/>
                 <a:ea typeface="HY헤드라인M" pitchFamily="18" charset="-127"/>
               </a:rPr>
-              <a:t>		</a:t>
-            </a:r>
-            <a:r>
-              <a:rPr lang="en-US" altLang="ko-KR" dirty="0" smtClean="0">
-                <a:latin typeface="HY헤드라인M" pitchFamily="18" charset="-127"/>
-                <a:ea typeface="HY헤드라인M" pitchFamily="18" charset="-127"/>
-              </a:rPr>
-              <a:t>6p</a:t>
+              <a:t>		6p</a:t>
             </a:r>
           </a:p>
           <a:p>
@@ -13553,24 +13512,6 @@
               </a:rPr>
               <a:t>2</a:t>
             </a:r>
-            <a:endParaRPr lang="en-US" altLang="ko-KR" sz="3200" dirty="0" smtClean="0">
-              <a:ln w="18415" cmpd="sng">
-                <a:noFill/>
-                <a:prstDash val="solid"/>
-              </a:ln>
-              <a:solidFill>
-                <a:srgbClr val="FFFFFF"/>
-              </a:solidFill>
-              <a:effectLst>
-                <a:outerShdw blurRad="50800" dist="38100" dir="5400000" algn="t" rotWithShape="0">
-                  <a:prstClr val="black">
-                    <a:alpha val="40000"/>
-                  </a:prstClr>
-                </a:outerShdw>
-              </a:effectLst>
-              <a:latin typeface="HY헤드라인M" pitchFamily="18" charset="-127"/>
-              <a:ea typeface="HY헤드라인M" pitchFamily="18" charset="-127"/>
-            </a:endParaRPr>
           </a:p>
         </p:txBody>
       </p:sp>
@@ -16544,24 +16485,6 @@
               </a:rPr>
               <a:t>3</a:t>
             </a:r>
-            <a:endParaRPr lang="en-US" altLang="ko-KR" sz="3200" dirty="0" smtClean="0">
-              <a:ln w="18415" cmpd="sng">
-                <a:noFill/>
-                <a:prstDash val="solid"/>
-              </a:ln>
-              <a:solidFill>
-                <a:srgbClr val="FFFFFF"/>
-              </a:solidFill>
-              <a:effectLst>
-                <a:outerShdw blurRad="50800" dist="38100" dir="5400000" algn="t" rotWithShape="0">
-                  <a:prstClr val="black">
-                    <a:alpha val="40000"/>
-                  </a:prstClr>
-                </a:outerShdw>
-              </a:effectLst>
-              <a:latin typeface="HY헤드라인M" pitchFamily="18" charset="-127"/>
-              <a:ea typeface="HY헤드라인M" pitchFamily="18" charset="-127"/>
-            </a:endParaRPr>
           </a:p>
         </p:txBody>
       </p:sp>
@@ -16620,14 +16543,14 @@
           <p:nvPr>
             <p:extLst>
               <p:ext uri="{D42A27DB-BD31-4B8C-83A1-F6EECF244321}">
-                <p14:modId xmlns:p14="http://schemas.microsoft.com/office/powerpoint/2010/main" val="4190683505"/>
+                <p14:modId xmlns:p14="http://schemas.microsoft.com/office/powerpoint/2010/main" val="3289819299"/>
               </p:ext>
             </p:extLst>
           </p:nvPr>
         </p:nvGraphicFramePr>
         <p:xfrm>
           <a:off x="611558" y="1196752"/>
-          <a:ext cx="8064898" cy="4715580"/>
+          <a:ext cx="8064898" cy="4787520"/>
         </p:xfrm>
         <a:graphic>
           <a:graphicData uri="http://schemas.openxmlformats.org/drawingml/2006/table">
@@ -16636,9 +16559,9 @@
                 <a:tableStyleId>{7DF18680-E054-41AD-8BC1-D1AEF772440D}</a:tableStyleId>
               </a:tblPr>
               <a:tblGrid>
-                <a:gridCol w="2640294"/>
-                <a:gridCol w="2640294"/>
-                <a:gridCol w="2784310"/>
+                <a:gridCol w="1656186"/>
+                <a:gridCol w="2736304"/>
+                <a:gridCol w="3672408"/>
               </a:tblGrid>
               <a:tr h="360040">
                 <a:tc>
@@ -16885,7 +16808,11 @@
                     <a:bodyPr/>
                     <a:lstStyle/>
                     <a:p>
-                      <a:pPr algn="l" latinLnBrk="1"/>
+                      <a:pPr algn="l" latinLnBrk="1">
+                        <a:lnSpc>
+                          <a:spcPct val="150000"/>
+                        </a:lnSpc>
+                      </a:pPr>
                       <a:r>
                         <a:rPr lang="ko-KR" altLang="en-US" sz="1100" dirty="0" smtClean="0">
                           <a:latin typeface="HY헤드라인M" pitchFamily="18" charset="-127"/>
@@ -17008,7 +16935,11 @@
                     <a:bodyPr/>
                     <a:lstStyle/>
                     <a:p>
-                      <a:pPr algn="l" latinLnBrk="1"/>
+                      <a:pPr algn="l" latinLnBrk="1">
+                        <a:lnSpc>
+                          <a:spcPct val="150000"/>
+                        </a:lnSpc>
+                      </a:pPr>
                       <a:r>
                         <a:rPr lang="ko-KR" altLang="en-US" sz="1100" dirty="0" smtClean="0">
                           <a:latin typeface="HY헤드라인M" pitchFamily="18" charset="-127"/>
@@ -17178,14 +17109,7 @@
                           <a:latin typeface="HY헤드라인M" pitchFamily="18" charset="-127"/>
                           <a:ea typeface="HY헤드라인M" pitchFamily="18" charset="-127"/>
                         </a:rPr>
-                        <a:t>플레이어와 물체 충돌 </a:t>
-                      </a:r>
-                      <a:r>
-                        <a:rPr lang="ko-KR" altLang="en-US" sz="1100" dirty="0" smtClean="0">
-                          <a:latin typeface="HY헤드라인M" pitchFamily="18" charset="-127"/>
-                          <a:ea typeface="HY헤드라인M" pitchFamily="18" charset="-127"/>
-                        </a:rPr>
-                        <a:t>구현 완료</a:t>
+                        <a:t>플레이어와 물체 충돌 구현 완료</a:t>
                       </a:r>
                       <a:r>
                         <a:rPr lang="en-US" altLang="ko-KR" sz="1100" dirty="0" smtClean="0">
@@ -17364,7 +17288,7 @@
                     <a:bodyPr/>
                     <a:lstStyle/>
                     <a:p>
-                      <a:pPr algn="ctr" latinLnBrk="1">
+                      <a:pPr algn="l" latinLnBrk="1">
                         <a:lnSpc>
                           <a:spcPct val="150000"/>
                         </a:lnSpc>
@@ -17462,7 +17386,7 @@
                     <a:bodyPr/>
                     <a:lstStyle/>
                     <a:p>
-                      <a:pPr algn="ctr" latinLnBrk="1">
+                      <a:pPr algn="l" latinLnBrk="1">
                         <a:lnSpc>
                           <a:spcPct val="150000"/>
                         </a:lnSpc>
@@ -17553,7 +17477,7 @@
                     <a:bodyPr/>
                     <a:lstStyle/>
                     <a:p>
-                      <a:pPr algn="ctr" latinLnBrk="1">
+                      <a:pPr algn="l" latinLnBrk="1">
                         <a:lnSpc>
                           <a:spcPct val="150000"/>
                         </a:lnSpc>
@@ -17672,7 +17596,7 @@
                     <a:bodyPr/>
                     <a:lstStyle/>
                     <a:p>
-                      <a:pPr algn="ctr" latinLnBrk="1"/>
+                      <a:pPr algn="l" latinLnBrk="1"/>
                       <a:r>
                         <a:rPr lang="ko-KR" altLang="en-US" sz="1100" dirty="0" smtClean="0">
                           <a:latin typeface="HY헤드라인M" pitchFamily="18" charset="-127"/>
@@ -17686,7 +17610,7 @@
                       </a:endParaRPr>
                     </a:p>
                     <a:p>
-                      <a:pPr algn="ctr" latinLnBrk="1"/>
+                      <a:pPr algn="l" latinLnBrk="1"/>
                       <a:r>
                         <a:rPr lang="ko-KR" altLang="en-US" sz="1100" dirty="0" smtClean="0">
                           <a:latin typeface="HY헤드라인M" pitchFamily="18" charset="-127"/>
@@ -17700,7 +17624,7 @@
                       </a:endParaRPr>
                     </a:p>
                     <a:p>
-                      <a:pPr algn="ctr" latinLnBrk="1"/>
+                      <a:pPr algn="l" latinLnBrk="1"/>
                       <a:r>
                         <a:rPr lang="ko-KR" altLang="en-US" sz="1100" dirty="0" smtClean="0">
                           <a:latin typeface="HY헤드라인M" pitchFamily="18" charset="-127"/>
@@ -17772,7 +17696,7 @@
                     <a:bodyPr/>
                     <a:lstStyle/>
                     <a:p>
-                      <a:pPr algn="ctr" latinLnBrk="1"/>
+                      <a:pPr algn="l" latinLnBrk="1"/>
                       <a:r>
                         <a:rPr lang="ko-KR" altLang="en-US" sz="1100" dirty="0" smtClean="0">
                           <a:latin typeface="HY헤드라인M" pitchFamily="18" charset="-127"/>
@@ -18826,70 +18750,6 @@
           </p:txBody>
         </p:sp>
       </p:grpSp>
-      <p:pic>
-        <p:nvPicPr>
-          <p:cNvPr id="1026" name="Picture 2"/>
-          <p:cNvPicPr>
-            <a:picLocks noChangeAspect="1" noChangeArrowheads="1"/>
-          </p:cNvPicPr>
-          <p:nvPr/>
-        </p:nvPicPr>
-        <p:blipFill>
-          <a:blip r:embed="rId2">
-            <a:extLst>
-              <a:ext uri="{28A0092B-C50C-407E-A947-70E740481C1C}">
-                <a14:useLocalDpi xmlns:a14="http://schemas.microsoft.com/office/drawing/2010/main" val="0"/>
-              </a:ext>
-            </a:extLst>
-          </a:blip>
-          <a:srcRect/>
-          <a:stretch>
-            <a:fillRect/>
-          </a:stretch>
-        </p:blipFill>
-        <p:spPr bwMode="auto">
-          <a:xfrm>
-            <a:off x="144491" y="1484784"/>
-            <a:ext cx="6251202" cy="4479305"/>
-          </a:xfrm>
-          <a:prstGeom prst="rect">
-            <a:avLst/>
-          </a:prstGeom>
-          <a:noFill/>
-          <a:ln>
-            <a:noFill/>
-          </a:ln>
-          <a:effectLst/>
-          <a:extLst>
-            <a:ext uri="{909E8E84-426E-40DD-AFC4-6F175D3DCCD1}">
-              <a14:hiddenFill xmlns:a14="http://schemas.microsoft.com/office/drawing/2010/main">
-                <a:solidFill>
-                  <a:schemeClr val="accent1"/>
-                </a:solidFill>
-              </a14:hiddenFill>
-            </a:ext>
-            <a:ext uri="{91240B29-F687-4F45-9708-019B960494DF}">
-              <a14:hiddenLine xmlns:a14="http://schemas.microsoft.com/office/drawing/2010/main" w="9525">
-                <a:solidFill>
-                  <a:schemeClr val="tx1"/>
-                </a:solidFill>
-                <a:miter lim="800000"/>
-                <a:headEnd/>
-                <a:tailEnd/>
-              </a14:hiddenLine>
-            </a:ext>
-            <a:ext uri="{AF507438-7753-43E0-B8FC-AC1667EBCBE1}">
-              <a14:hiddenEffects xmlns:a14="http://schemas.microsoft.com/office/drawing/2010/main">
-                <a:effectLst>
-                  <a:outerShdw dist="35921" dir="2700000" algn="ctr" rotWithShape="0">
-                    <a:schemeClr val="bg2"/>
-                  </a:outerShdw>
-                </a:effectLst>
-              </a14:hiddenEffects>
-            </a:ext>
-          </a:extLst>
-        </p:spPr>
-      </p:pic>
       <p:grpSp>
         <p:nvGrpSpPr>
           <p:cNvPr id="17" name="그룹 16"/>
@@ -19882,24 +19742,6 @@
               </a:rPr>
               <a:t>4</a:t>
             </a:r>
-            <a:endParaRPr lang="en-US" altLang="ko-KR" sz="3200" dirty="0" smtClean="0">
-              <a:ln w="18415" cmpd="sng">
-                <a:noFill/>
-                <a:prstDash val="solid"/>
-              </a:ln>
-              <a:solidFill>
-                <a:srgbClr val="FFFFFF"/>
-              </a:solidFill>
-              <a:effectLst>
-                <a:outerShdw blurRad="50800" dist="38100" dir="5400000" algn="t" rotWithShape="0">
-                  <a:prstClr val="black">
-                    <a:alpha val="40000"/>
-                  </a:prstClr>
-                </a:outerShdw>
-              </a:effectLst>
-              <a:latin typeface="HY헤드라인M" pitchFamily="18" charset="-127"/>
-              <a:ea typeface="HY헤드라인M" pitchFamily="18" charset="-127"/>
-            </a:endParaRPr>
           </a:p>
         </p:txBody>
       </p:sp>
@@ -19963,14 +19805,14 @@
       </p:sp>
       <p:pic>
         <p:nvPicPr>
-          <p:cNvPr id="1031" name="Picture 7"/>
+          <p:cNvPr id="2" name="Picture 2"/>
           <p:cNvPicPr>
             <a:picLocks noChangeAspect="1" noChangeArrowheads="1"/>
           </p:cNvPicPr>
           <p:nvPr/>
         </p:nvPicPr>
         <p:blipFill>
-          <a:blip r:embed="rId3">
+          <a:blip r:embed="rId2">
             <a:extLst>
               <a:ext uri="{28A0092B-C50C-407E-A947-70E740481C1C}">
                 <a14:useLocalDpi xmlns:a14="http://schemas.microsoft.com/office/drawing/2010/main" val="0"/>
@@ -19984,8 +19826,8 @@
         </p:blipFill>
         <p:spPr bwMode="auto">
           <a:xfrm>
-            <a:off x="6516216" y="2708920"/>
-            <a:ext cx="2232248" cy="2232248"/>
+            <a:off x="226336" y="1393033"/>
+            <a:ext cx="8695372" cy="4484239"/>
           </a:xfrm>
           <a:prstGeom prst="rect">
             <a:avLst/>
